--- a/format-encodings/slide_presentations/.hidden/base10-mathematical-review.pptx
+++ b/format-encodings/slide_presentations/.hidden/base10-mathematical-review.pptx
@@ -15256,14 +15256,14 @@
               <a:buNone/>
             </a:pPr>
             <a:r>
-              <a:rPr lang="en"/>
+              <a:rPr lang="en" dirty="0"/>
               <a:t>Subtraction </a:t>
             </a:r>
             <a:r>
-              <a:rPr lang="en" sz="2200"/>
+              <a:rPr lang="en" sz="2200" dirty="0"/>
               <a:t>(after)</a:t>
             </a:r>
-            <a:endParaRPr sz="2200"/>
+            <a:endParaRPr sz="2200" dirty="0"/>
           </a:p>
         </p:txBody>
       </p:sp>
@@ -16097,10 +16097,10 @@
               <a:buNone/>
             </a:pPr>
             <a:r>
-              <a:rPr lang="en" strike="sngStrike"/>
-              <a:t>6</a:t>
+              <a:rPr lang="en" strike="sngStrike" dirty="0"/>
+              <a:t>7</a:t>
             </a:r>
-            <a:endParaRPr strike="sngStrike"/>
+            <a:endParaRPr strike="sngStrike" dirty="0"/>
           </a:p>
         </p:txBody>
       </p:sp>
@@ -16423,10 +16423,10 @@
               <a:buNone/>
             </a:pPr>
             <a:r>
-              <a:rPr lang="en"/>
+              <a:rPr lang="en" dirty="0"/>
               <a:t>6</a:t>
             </a:r>
-            <a:endParaRPr/>
+            <a:endParaRPr dirty="0"/>
           </a:p>
         </p:txBody>
       </p:sp>
